--- a/BÁO CÁO ĐỒ ÁN 1.pptx
+++ b/BÁO CÁO ĐỒ ÁN 1.pptx
@@ -25,9 +25,10 @@
     <p:sldId id="267" r:id="rId19"/>
     <p:sldId id="268" r:id="rId20"/>
     <p:sldId id="269" r:id="rId21"/>
-    <p:sldId id="270" r:id="rId22"/>
-    <p:sldId id="271" r:id="rId23"/>
-    <p:sldId id="272" r:id="rId24"/>
+    <p:sldId id="271" r:id="rId22"/>
+    <p:sldId id="270" r:id="rId23"/>
+    <p:sldId id="279" r:id="rId24"/>
+    <p:sldId id="272" r:id="rId25"/>
   </p:sldIdLst>
   <p:sldSz cx="9144000" cy="6858000" type="screen4x3"/>
   <p:notesSz cx="6858000" cy="9144000"/>
@@ -4042,6 +4043,13 @@
   <p:clrMapOvr>
     <a:masterClrMapping/>
   </p:clrMapOvr>
+  <p:timing>
+    <p:tnLst>
+      <p:par>
+        <p:cTn id="1" dur="indefinite" restart="never" nodeType="tmRoot"/>
+      </p:par>
+    </p:tnLst>
+  </p:timing>
 </p:sld>
 </file>
 
@@ -4199,6 +4207,13 @@
   <p:clrMapOvr>
     <a:masterClrMapping/>
   </p:clrMapOvr>
+  <p:timing>
+    <p:tnLst>
+      <p:par>
+        <p:cTn id="1" dur="indefinite" restart="never" nodeType="tmRoot"/>
+      </p:par>
+    </p:tnLst>
+  </p:timing>
 </p:sld>
 </file>
 
@@ -4295,6 +4310,13 @@
   <p:clrMapOvr>
     <a:masterClrMapping/>
   </p:clrMapOvr>
+  <p:timing>
+    <p:tnLst>
+      <p:par>
+        <p:cTn id="1" dur="indefinite" restart="never" nodeType="tmRoot"/>
+      </p:par>
+    </p:tnLst>
+  </p:timing>
 </p:sld>
 </file>
 
@@ -4444,6 +4466,13 @@
   <p:clrMapOvr>
     <a:masterClrMapping/>
   </p:clrMapOvr>
+  <p:timing>
+    <p:tnLst>
+      <p:par>
+        <p:cTn id="1" dur="indefinite" restart="never" nodeType="tmRoot"/>
+      </p:par>
+    </p:tnLst>
+  </p:timing>
 </p:sld>
 </file>
 
@@ -4491,21 +4520,7 @@
                 <a:latin typeface="Times New Roman" pitchFamily="18" charset="0"/>
                 <a:cs typeface="Times New Roman" pitchFamily="18" charset="0"/>
               </a:rPr>
-              <a:t>Phần </a:t>
-            </a:r>
-            <a:r>
-              <a:rPr lang="en-US" sz="3000" b="1" dirty="0" smtClean="0">
-                <a:latin typeface="Times New Roman" pitchFamily="18" charset="0"/>
-                <a:cs typeface="Times New Roman" pitchFamily="18" charset="0"/>
-              </a:rPr>
-              <a:t>5: </a:t>
-            </a:r>
-            <a:r>
-              <a:rPr lang="en-US" sz="3000" b="1" dirty="0" smtClean="0">
-                <a:latin typeface="Times New Roman" pitchFamily="18" charset="0"/>
-                <a:cs typeface="Times New Roman" pitchFamily="18" charset="0"/>
-              </a:rPr>
-              <a:t>LƯỢC ĐỒ CSDL</a:t>
+              <a:t>Phần 5: LƯỢC ĐỒ CSDL</a:t>
             </a:r>
             <a:endParaRPr lang="en-US" sz="3000" dirty="0">
               <a:latin typeface="Times New Roman" pitchFamily="18" charset="0"/>
@@ -4553,6 +4568,13 @@
   <p:clrMapOvr>
     <a:masterClrMapping/>
   </p:clrMapOvr>
+  <p:timing>
+    <p:tnLst>
+      <p:par>
+        <p:cTn id="1" dur="indefinite" restart="never" nodeType="tmRoot"/>
+      </p:par>
+    </p:tnLst>
+  </p:timing>
 </p:sld>
 </file>
 
@@ -4708,6 +4730,13 @@
   <p:clrMapOvr>
     <a:masterClrMapping/>
   </p:clrMapOvr>
+  <p:timing>
+    <p:tnLst>
+      <p:par>
+        <p:cTn id="1" dur="indefinite" restart="never" nodeType="tmRoot"/>
+      </p:par>
+    </p:tnLst>
+  </p:timing>
 </p:sld>
 </file>
 
@@ -4755,21 +4784,7 @@
                 <a:latin typeface="Times New Roman" pitchFamily="18" charset="0"/>
                 <a:cs typeface="Times New Roman" pitchFamily="18" charset="0"/>
               </a:rPr>
-              <a:t>Phần </a:t>
-            </a:r>
-            <a:r>
-              <a:rPr lang="en-US" sz="3000" b="1" dirty="0" smtClean="0">
-                <a:latin typeface="Times New Roman" pitchFamily="18" charset="0"/>
-                <a:cs typeface="Times New Roman" pitchFamily="18" charset="0"/>
-              </a:rPr>
-              <a:t>6: </a:t>
-            </a:r>
-            <a:r>
-              <a:rPr lang="en-US" sz="3000" b="1" dirty="0" smtClean="0">
-                <a:latin typeface="Times New Roman" pitchFamily="18" charset="0"/>
-                <a:cs typeface="Times New Roman" pitchFamily="18" charset="0"/>
-              </a:rPr>
-              <a:t>THIẾT KẾ CODE</a:t>
+              <a:t>Phần 6: THIẾT KẾ CODE</a:t>
             </a:r>
             <a:endParaRPr lang="en-US" sz="3000" dirty="0">
               <a:latin typeface="Times New Roman" pitchFamily="18" charset="0"/>
@@ -4818,6 +4833,13 @@
   <p:clrMapOvr>
     <a:masterClrMapping/>
   </p:clrMapOvr>
+  <p:timing>
+    <p:tnLst>
+      <p:par>
+        <p:cTn id="1" dur="indefinite" restart="never" nodeType="tmRoot"/>
+      </p:par>
+    </p:tnLst>
+  </p:timing>
 </p:sld>
 </file>
 
@@ -4914,6 +4936,13 @@
   <p:clrMapOvr>
     <a:masterClrMapping/>
   </p:clrMapOvr>
+  <p:timing>
+    <p:tnLst>
+      <p:par>
+        <p:cTn id="1" dur="indefinite" restart="never" nodeType="tmRoot"/>
+      </p:par>
+    </p:tnLst>
+  </p:timing>
 </p:sld>
 </file>
 
@@ -5010,6 +5039,13 @@
   <p:clrMapOvr>
     <a:masterClrMapping/>
   </p:clrMapOvr>
+  <p:timing>
+    <p:tnLst>
+      <p:par>
+        <p:cTn id="1" dur="indefinite" restart="never" nodeType="tmRoot"/>
+      </p:par>
+    </p:tnLst>
+  </p:timing>
 </p:sld>
 </file>
 
@@ -5105,6 +5141,13 @@
   <p:clrMapOvr>
     <a:masterClrMapping/>
   </p:clrMapOvr>
+  <p:timing>
+    <p:tnLst>
+      <p:par>
+        <p:cTn id="1" dur="indefinite" restart="never" nodeType="tmRoot"/>
+      </p:par>
+    </p:tnLst>
+  </p:timing>
 </p:sld>
 </file>
 
@@ -5152,21 +5195,7 @@
                 <a:latin typeface="Times New Roman" pitchFamily="18" charset="0"/>
                 <a:cs typeface="Times New Roman" pitchFamily="18" charset="0"/>
               </a:rPr>
-              <a:t>Phần </a:t>
-            </a:r>
-            <a:r>
-              <a:rPr lang="en-US" sz="3000" b="1" dirty="0" smtClean="0">
-                <a:latin typeface="Times New Roman" pitchFamily="18" charset="0"/>
-                <a:cs typeface="Times New Roman" pitchFamily="18" charset="0"/>
-              </a:rPr>
-              <a:t>7:KẾT </a:t>
-            </a:r>
-            <a:r>
-              <a:rPr lang="en-US" sz="3000" b="1" dirty="0" smtClean="0">
-                <a:latin typeface="Times New Roman" pitchFamily="18" charset="0"/>
-                <a:cs typeface="Times New Roman" pitchFamily="18" charset="0"/>
-              </a:rPr>
-              <a:t>LUẬN</a:t>
+              <a:t>Phần 7:KẾT LUẬN</a:t>
             </a:r>
             <a:endParaRPr lang="en-US" sz="3000" dirty="0">
               <a:latin typeface="Times New Roman" pitchFamily="18" charset="0"/>
@@ -5275,6 +5304,13 @@
   <p:clrMapOvr>
     <a:masterClrMapping/>
   </p:clrMapOvr>
+  <p:timing>
+    <p:tnLst>
+      <p:par>
+        <p:cTn id="1" dur="indefinite" restart="never" nodeType="tmRoot"/>
+      </p:par>
+    </p:tnLst>
+  </p:timing>
 </p:sld>
 </file>
 
@@ -5356,19 +5392,17 @@
                 <a:latin typeface="Times New Roman" pitchFamily="18" charset="0"/>
                 <a:cs typeface="Times New Roman" pitchFamily="18" charset="0"/>
               </a:rPr>
-              <a:t>Phần 1: </a:t>
-            </a:r>
+              <a:t>Phần 1: GIỚI THIỆU</a:t>
+            </a:r>
+          </a:p>
+          <a:p>
             <a:r>
               <a:rPr lang="en-US" sz="2300" b="1" dirty="0" smtClean="0">
                 <a:latin typeface="Times New Roman" pitchFamily="18" charset="0"/>
                 <a:cs typeface="Times New Roman" pitchFamily="18" charset="0"/>
               </a:rPr>
-              <a:t>GIỚI THIỆU</a:t>
-            </a:r>
-            <a:endParaRPr lang="en-US" sz="2300" b="1" dirty="0" smtClean="0">
-              <a:latin typeface="Times New Roman" pitchFamily="18" charset="0"/>
-              <a:cs typeface="Times New Roman" pitchFamily="18" charset="0"/>
-            </a:endParaRPr>
+              <a:t>Phần 2: ĐẶC TẢ, PHÂN TÍCH VỀ GAME STACK JUMP</a:t>
+            </a:r>
           </a:p>
           <a:p>
             <a:r>
@@ -5376,28 +5410,34 @@
                 <a:latin typeface="Times New Roman" pitchFamily="18" charset="0"/>
                 <a:cs typeface="Times New Roman" pitchFamily="18" charset="0"/>
               </a:rPr>
-              <a:t>Phần </a:t>
-            </a:r>
+              <a:t>Phần 3: KẾ HOẠCH THỰC HIỆN DỰ KIẾN</a:t>
+            </a:r>
+          </a:p>
+          <a:p>
             <a:r>
               <a:rPr lang="en-US" sz="2300" b="1" dirty="0" smtClean="0">
                 <a:latin typeface="Times New Roman" pitchFamily="18" charset="0"/>
                 <a:cs typeface="Times New Roman" pitchFamily="18" charset="0"/>
               </a:rPr>
-              <a:t>2</a:t>
-            </a:r>
+              <a:t>Phần 4: GIAO DIỆN PHẦN MỀM VÀ MÔ TẢ CHỨC NĂNG</a:t>
+            </a:r>
+          </a:p>
+          <a:p>
             <a:r>
               <a:rPr lang="en-US" sz="2300" b="1" dirty="0" smtClean="0">
                 <a:latin typeface="Times New Roman" pitchFamily="18" charset="0"/>
                 <a:cs typeface="Times New Roman" pitchFamily="18" charset="0"/>
               </a:rPr>
-              <a:t>: </a:t>
-            </a:r>
+              <a:t>Phần 5: LƯỢC ĐỒ CSDL</a:t>
+            </a:r>
+          </a:p>
+          <a:p>
             <a:r>
               <a:rPr lang="en-US" sz="2300" b="1" dirty="0" smtClean="0">
                 <a:latin typeface="Times New Roman" pitchFamily="18" charset="0"/>
                 <a:cs typeface="Times New Roman" pitchFamily="18" charset="0"/>
               </a:rPr>
-              <a:t>ĐẶC TẢ, PHÂN TÍCH VỀ GAME STACK JUMP</a:t>
+              <a:t>Phần 6: THIẾT KẾ CODE</a:t>
             </a:r>
           </a:p>
           <a:p>
@@ -5406,92 +5446,7 @@
                 <a:latin typeface="Times New Roman" pitchFamily="18" charset="0"/>
                 <a:cs typeface="Times New Roman" pitchFamily="18" charset="0"/>
               </a:rPr>
-              <a:t>Phần 3:KẾ HOẠCH THỰC HIỆN DỰ KIẾN</a:t>
-            </a:r>
-          </a:p>
-          <a:p>
-            <a:r>
-              <a:rPr lang="en-US" sz="2300" b="1" dirty="0" smtClean="0">
-                <a:latin typeface="Times New Roman" pitchFamily="18" charset="0"/>
-                <a:cs typeface="Times New Roman" pitchFamily="18" charset="0"/>
-              </a:rPr>
-              <a:t>Phần 4: </a:t>
-            </a:r>
-            <a:r>
-              <a:rPr lang="en-US" sz="2300" b="1" dirty="0" smtClean="0">
-                <a:latin typeface="Times New Roman" pitchFamily="18" charset="0"/>
-                <a:cs typeface="Times New Roman" pitchFamily="18" charset="0"/>
-              </a:rPr>
-              <a:t>GIAO DIỆN PHẦN MỀM VÀ MÔ TẢ CHỨC NĂNG</a:t>
-            </a:r>
-          </a:p>
-          <a:p>
-            <a:r>
-              <a:rPr lang="en-US" sz="2300" b="1" dirty="0" smtClean="0">
-                <a:latin typeface="Times New Roman" pitchFamily="18" charset="0"/>
-                <a:cs typeface="Times New Roman" pitchFamily="18" charset="0"/>
-              </a:rPr>
-              <a:t>Phần </a:t>
-            </a:r>
-            <a:r>
-              <a:rPr lang="en-US" sz="2300" b="1" dirty="0" smtClean="0">
-                <a:latin typeface="Times New Roman" pitchFamily="18" charset="0"/>
-                <a:cs typeface="Times New Roman" pitchFamily="18" charset="0"/>
-              </a:rPr>
-              <a:t>5: </a:t>
-            </a:r>
-            <a:r>
-              <a:rPr lang="en-US" sz="2300" b="1" dirty="0" smtClean="0">
-                <a:latin typeface="Times New Roman" pitchFamily="18" charset="0"/>
-                <a:cs typeface="Times New Roman" pitchFamily="18" charset="0"/>
-              </a:rPr>
-              <a:t>LƯỢC ĐỒ CSDL</a:t>
-            </a:r>
-          </a:p>
-          <a:p>
-            <a:r>
-              <a:rPr lang="en-US" sz="2300" b="1" dirty="0" smtClean="0">
-                <a:latin typeface="Times New Roman" pitchFamily="18" charset="0"/>
-                <a:cs typeface="Times New Roman" pitchFamily="18" charset="0"/>
-              </a:rPr>
-              <a:t>Phần </a:t>
-            </a:r>
-            <a:r>
-              <a:rPr lang="en-US" sz="2300" b="1" dirty="0" smtClean="0">
-                <a:latin typeface="Times New Roman" pitchFamily="18" charset="0"/>
-                <a:cs typeface="Times New Roman" pitchFamily="18" charset="0"/>
-              </a:rPr>
-              <a:t>6: </a:t>
-            </a:r>
-            <a:r>
-              <a:rPr lang="en-US" sz="2300" b="1" dirty="0" smtClean="0">
-                <a:latin typeface="Times New Roman" pitchFamily="18" charset="0"/>
-                <a:cs typeface="Times New Roman" pitchFamily="18" charset="0"/>
-              </a:rPr>
-              <a:t>THIẾT KẾ CODE</a:t>
-            </a:r>
-          </a:p>
-          <a:p>
-            <a:r>
-              <a:rPr lang="en-US" sz="2300" b="1" dirty="0" smtClean="0">
-                <a:latin typeface="Times New Roman" pitchFamily="18" charset="0"/>
-                <a:cs typeface="Times New Roman" pitchFamily="18" charset="0"/>
-              </a:rPr>
-              <a:t>Phần </a:t>
-            </a:r>
-            <a:r>
-              <a:rPr lang="en-US" sz="2300" b="1" dirty="0" smtClean="0">
-                <a:latin typeface="Times New Roman" pitchFamily="18" charset="0"/>
-                <a:cs typeface="Times New Roman" pitchFamily="18" charset="0"/>
-              </a:rPr>
-              <a:t>7:KẾT </a:t>
-            </a:r>
-            <a:r>
-              <a:rPr lang="en-US" sz="2300" b="1" dirty="0" smtClean="0">
-                <a:latin typeface="Times New Roman" pitchFamily="18" charset="0"/>
-                <a:cs typeface="Times New Roman" pitchFamily="18" charset="0"/>
-              </a:rPr>
-              <a:t>LUẬN</a:t>
+              <a:t>Phần 7: KẾT LUẬN</a:t>
             </a:r>
           </a:p>
           <a:p>
@@ -5507,6 +5462,13 @@
   <p:clrMapOvr>
     <a:masterClrMapping/>
   </p:clrMapOvr>
+  <p:timing>
+    <p:tnLst>
+      <p:par>
+        <p:cTn id="1" dur="indefinite" restart="never" nodeType="tmRoot"/>
+      </p:par>
+    </p:tnLst>
+  </p:timing>
 </p:sld>
 </file>
 
@@ -5579,16 +5541,35 @@
                 <a:latin typeface="Times New Roman" pitchFamily="18" charset="0"/>
                 <a:cs typeface="Times New Roman" pitchFamily="18" charset="0"/>
               </a:rPr>
-              <a:t>-Thiết kế hình ảnh cho nhân vật.</a:t>
-            </a:r>
-          </a:p>
-          <a:p>
+              <a:t>-</a:t>
+            </a:r>
             <a:r>
               <a:rPr lang="en-US" dirty="0" smtClean="0">
                 <a:latin typeface="Times New Roman" pitchFamily="18" charset="0"/>
                 <a:cs typeface="Times New Roman" pitchFamily="18" charset="0"/>
               </a:rPr>
-              <a:t>-Một số tính năng chưa code được: Đăng ký tài khoản, game mới mỗi khi kết thúc game.</a:t>
+              <a:t>Một số tính năng chưa code được: </a:t>
+            </a:r>
+            <a:r>
+              <a:rPr lang="en-US" dirty="0" smtClean="0">
+                <a:latin typeface="Times New Roman" pitchFamily="18" charset="0"/>
+                <a:cs typeface="Times New Roman" pitchFamily="18" charset="0"/>
+              </a:rPr>
+              <a:t>G</a:t>
+            </a:r>
+            <a:r>
+              <a:rPr lang="en-US" dirty="0" smtClean="0">
+                <a:latin typeface="Times New Roman" pitchFamily="18" charset="0"/>
+                <a:cs typeface="Times New Roman" pitchFamily="18" charset="0"/>
+              </a:rPr>
+              <a:t>ame </a:t>
+            </a:r>
+            <a:r>
+              <a:rPr lang="en-US" dirty="0" smtClean="0">
+                <a:latin typeface="Times New Roman" pitchFamily="18" charset="0"/>
+                <a:cs typeface="Times New Roman" pitchFamily="18" charset="0"/>
+              </a:rPr>
+              <a:t>mới mỗi khi kết thúc game.</a:t>
             </a:r>
           </a:p>
           <a:p>
@@ -5601,6 +5582,13 @@
   <p:clrMapOvr>
     <a:masterClrMapping/>
   </p:clrMapOvr>
+  <p:timing>
+    <p:tnLst>
+      <p:par>
+        <p:cTn id="1" dur="indefinite" restart="never" nodeType="tmRoot"/>
+      </p:par>
+    </p:tnLst>
+  </p:timing>
 </p:sld>
 </file>
 
@@ -5633,7 +5621,7 @@
         </p:nvSpPr>
         <p:spPr>
           <a:xfrm>
-            <a:off x="457200" y="1066800"/>
+            <a:off x="457200" y="1143000"/>
             <a:ext cx="8229600" cy="4389120"/>
           </a:xfrm>
         </p:spPr>
@@ -5646,7 +5634,21 @@
                 <a:latin typeface="Times New Roman" pitchFamily="18" charset="0"/>
                 <a:cs typeface="Times New Roman" pitchFamily="18" charset="0"/>
               </a:rPr>
-              <a:t>3.Ý tưởng phát triển</a:t>
+              <a:t>3</a:t>
+            </a:r>
+            <a:r>
+              <a:rPr lang="en-US" sz="3000" b="1" i="1" dirty="0" smtClean="0">
+                <a:latin typeface="Times New Roman" pitchFamily="18" charset="0"/>
+                <a:cs typeface="Times New Roman" pitchFamily="18" charset="0"/>
+              </a:rPr>
+              <a:t>.Ưu,Nhược </a:t>
+            </a:r>
+            <a:r>
+              <a:rPr lang="en-US" sz="3000" b="1" i="1" dirty="0" smtClean="0">
+                <a:latin typeface="Times New Roman" pitchFamily="18" charset="0"/>
+                <a:cs typeface="Times New Roman" pitchFamily="18" charset="0"/>
+              </a:rPr>
+              <a:t>điểm của game</a:t>
             </a:r>
           </a:p>
           <a:p>
@@ -5664,7 +5666,7 @@
                 <a:latin typeface="Times New Roman" pitchFamily="18" charset="0"/>
                 <a:cs typeface="Times New Roman" pitchFamily="18" charset="0"/>
               </a:rPr>
-              <a:t>-Mỗi tài khoản đăng nhập sẽ có một bộ sưu tập nhân vật thông qua việc tích điểm để mở khóa nhân vật.</a:t>
+              <a:t>-Ưu điểm:</a:t>
             </a:r>
           </a:p>
           <a:p>
@@ -5673,7 +5675,34 @@
                 <a:latin typeface="Times New Roman" pitchFamily="18" charset="0"/>
                 <a:cs typeface="Times New Roman" pitchFamily="18" charset="0"/>
               </a:rPr>
-              <a:t>-Có bảng xếp hạng trong sever của game.</a:t>
+              <a:t>+Có các tính năng đăng nhập, đăng ký tài khoản.</a:t>
+            </a:r>
+          </a:p>
+          <a:p>
+            <a:r>
+              <a:rPr lang="en-US" dirty="0" smtClean="0">
+                <a:latin typeface="Times New Roman" pitchFamily="18" charset="0"/>
+                <a:cs typeface="Times New Roman" pitchFamily="18" charset="0"/>
+              </a:rPr>
+              <a:t>-Nhược điểm:</a:t>
+            </a:r>
+          </a:p>
+          <a:p>
+            <a:r>
+              <a:rPr lang="en-US" dirty="0" smtClean="0">
+                <a:latin typeface="Times New Roman" pitchFamily="18" charset="0"/>
+                <a:cs typeface="Times New Roman" pitchFamily="18" charset="0"/>
+              </a:rPr>
+              <a:t>+Game còn chưa có hình ảnh nhân vật với khung</a:t>
+            </a:r>
+          </a:p>
+          <a:p>
+            <a:r>
+              <a:rPr lang="en-US" dirty="0" smtClean="0">
+                <a:latin typeface="Times New Roman" pitchFamily="18" charset="0"/>
+                <a:cs typeface="Times New Roman" pitchFamily="18" charset="0"/>
+              </a:rPr>
+              <a:t>+Lỗi trong code: Hàm đăng ký,lưu dữ liệu vào CSDL</a:t>
             </a:r>
           </a:p>
           <a:p>
@@ -5686,6 +5715,13 @@
   <p:clrMapOvr>
     <a:masterClrMapping/>
   </p:clrMapOvr>
+  <p:timing>
+    <p:tnLst>
+      <p:par>
+        <p:cTn id="1" dur="indefinite" restart="never" nodeType="tmRoot"/>
+      </p:par>
+    </p:tnLst>
+  </p:timing>
 </p:sld>
 </file>
 
@@ -5718,7 +5754,7 @@
         </p:nvSpPr>
         <p:spPr>
           <a:xfrm>
-            <a:off x="457200" y="1143000"/>
+            <a:off x="457200" y="1066800"/>
             <a:ext cx="8229600" cy="4389120"/>
           </a:xfrm>
         </p:spPr>
@@ -5731,7 +5767,21 @@
                 <a:latin typeface="Times New Roman" pitchFamily="18" charset="0"/>
                 <a:cs typeface="Times New Roman" pitchFamily="18" charset="0"/>
               </a:rPr>
-              <a:t>4.Ưu,Nhược điểm của game</a:t>
+              <a:t>4</a:t>
+            </a:r>
+            <a:r>
+              <a:rPr lang="en-US" sz="3000" b="1" i="1" dirty="0" smtClean="0">
+                <a:latin typeface="Times New Roman" pitchFamily="18" charset="0"/>
+                <a:cs typeface="Times New Roman" pitchFamily="18" charset="0"/>
+              </a:rPr>
+              <a:t>.Ý </a:t>
+            </a:r>
+            <a:r>
+              <a:rPr lang="en-US" sz="3000" b="1" i="1" dirty="0" smtClean="0">
+                <a:latin typeface="Times New Roman" pitchFamily="18" charset="0"/>
+                <a:cs typeface="Times New Roman" pitchFamily="18" charset="0"/>
+              </a:rPr>
+              <a:t>tưởng phát triển</a:t>
             </a:r>
           </a:p>
           <a:p>
@@ -5749,7 +5799,7 @@
                 <a:latin typeface="Times New Roman" pitchFamily="18" charset="0"/>
                 <a:cs typeface="Times New Roman" pitchFamily="18" charset="0"/>
               </a:rPr>
-              <a:t>-Ưu điểm:</a:t>
+              <a:t>-Mỗi tài khoản đăng nhập sẽ có một bộ sưu tập nhân vật thông qua việc tích điểm để mở khóa nhân vật.</a:t>
             </a:r>
           </a:p>
           <a:p>
@@ -5758,16 +5808,14 @@
                 <a:latin typeface="Times New Roman" pitchFamily="18" charset="0"/>
                 <a:cs typeface="Times New Roman" pitchFamily="18" charset="0"/>
               </a:rPr>
-              <a:t>+Có các tính năng đăng nhập, đăng ký tài khoản.</a:t>
-            </a:r>
-          </a:p>
-          <a:p>
+              <a:t>-Có bảng xếp hạng trong sever của game</a:t>
+            </a:r>
             <a:r>
               <a:rPr lang="en-US" dirty="0" smtClean="0">
                 <a:latin typeface="Times New Roman" pitchFamily="18" charset="0"/>
                 <a:cs typeface="Times New Roman" pitchFamily="18" charset="0"/>
               </a:rPr>
-              <a:t>-Nhược điểm:</a:t>
+              <a:t>.</a:t>
             </a:r>
           </a:p>
           <a:p>
@@ -5776,17 +5824,14 @@
                 <a:latin typeface="Times New Roman" pitchFamily="18" charset="0"/>
                 <a:cs typeface="Times New Roman" pitchFamily="18" charset="0"/>
               </a:rPr>
-              <a:t>+Game còn chưa có hình ảnh nhân vật với khung</a:t>
-            </a:r>
-          </a:p>
-          <a:p>
-            <a:r>
-              <a:rPr lang="en-US" dirty="0" smtClean="0">
-                <a:latin typeface="Times New Roman" pitchFamily="18" charset="0"/>
-                <a:cs typeface="Times New Roman" pitchFamily="18" charset="0"/>
-              </a:rPr>
-              <a:t>+Lỗi trong code: Hàm đăng ký,lưu dữ liệu vào CSDL</a:t>
-            </a:r>
+              <a:t>-Thiết kế hình ảnh cho nhân vật.</a:t>
+            </a:r>
+          </a:p>
+          <a:p>
+            <a:endParaRPr lang="en-US" dirty="0" smtClean="0">
+              <a:latin typeface="Times New Roman" pitchFamily="18" charset="0"/>
+              <a:cs typeface="Times New Roman" pitchFamily="18" charset="0"/>
+            </a:endParaRPr>
           </a:p>
           <a:p>
             <a:endParaRPr lang="en-US" dirty="0"/>
@@ -5798,10 +5843,201 @@
   <p:clrMapOvr>
     <a:masterClrMapping/>
   </p:clrMapOvr>
+  <p:timing>
+    <p:tnLst>
+      <p:par>
+        <p:cTn id="1" dur="indefinite" restart="never" nodeType="tmRoot"/>
+      </p:par>
+    </p:tnLst>
+  </p:timing>
 </p:sld>
 </file>
 
 <file path=ppt/slides/slide23.xml><?xml version="1.0" encoding="utf-8"?>
+<p:sld xmlns:a="http://schemas.openxmlformats.org/drawingml/2006/main" xmlns:r="http://schemas.openxmlformats.org/officeDocument/2006/relationships" xmlns:p="http://schemas.openxmlformats.org/presentationml/2006/main">
+  <p:cSld>
+    <p:spTree>
+      <p:nvGrpSpPr>
+        <p:cNvPr id="1" name=""/>
+        <p:cNvGrpSpPr/>
+        <p:nvPr/>
+      </p:nvGrpSpPr>
+      <p:grpSpPr>
+        <a:xfrm>
+          <a:off x="0" y="0"/>
+          <a:ext cx="0" cy="0"/>
+          <a:chOff x="0" y="0"/>
+          <a:chExt cx="0" cy="0"/>
+        </a:xfrm>
+      </p:grpSpPr>
+      <p:sp>
+        <p:nvSpPr>
+          <p:cNvPr id="2" name="Title 1"/>
+          <p:cNvSpPr>
+            <a:spLocks noGrp="1"/>
+          </p:cNvSpPr>
+          <p:nvPr>
+            <p:ph type="title"/>
+          </p:nvPr>
+        </p:nvSpPr>
+        <p:spPr/>
+        <p:txBody>
+          <a:bodyPr/>
+          <a:lstStyle/>
+          <a:p>
+            <a:r>
+              <a:rPr lang="en-US" dirty="0" smtClean="0"/>
+              <a:t>Tài liệu tham khảo</a:t>
+            </a:r>
+            <a:endParaRPr lang="en-US" dirty="0"/>
+          </a:p>
+        </p:txBody>
+      </p:sp>
+      <p:sp>
+        <p:nvSpPr>
+          <p:cNvPr id="3" name="Content Placeholder 2"/>
+          <p:cNvSpPr>
+            <a:spLocks noGrp="1"/>
+          </p:cNvSpPr>
+          <p:nvPr>
+            <p:ph idx="1"/>
+          </p:nvPr>
+        </p:nvSpPr>
+        <p:spPr>
+          <a:xfrm>
+            <a:off x="457200" y="2590800"/>
+            <a:ext cx="8229600" cy="2514600"/>
+          </a:xfrm>
+        </p:spPr>
+        <p:txBody>
+          <a:bodyPr/>
+          <a:lstStyle/>
+          <a:p>
+            <a:r>
+              <a:rPr lang="en-US" sz="2000" dirty="0" smtClean="0">
+                <a:latin typeface="Times New Roman" pitchFamily="18" charset="0"/>
+                <a:cs typeface="Times New Roman" pitchFamily="18" charset="0"/>
+              </a:rPr>
+              <a:t>[1] </a:t>
+            </a:r>
+            <a:r>
+              <a:rPr lang="en-US" sz="2000" u="sng" dirty="0" smtClean="0">
+                <a:latin typeface="Times New Roman" pitchFamily="18" charset="0"/>
+                <a:cs typeface="Times New Roman" pitchFamily="18" charset="0"/>
+                <a:hlinkClick r:id="rId2"/>
+              </a:rPr>
+              <a:t>https://docs.microsoft.com</a:t>
+            </a:r>
+            <a:endParaRPr lang="en-US" sz="2000" dirty="0" smtClean="0">
+              <a:latin typeface="Times New Roman" pitchFamily="18" charset="0"/>
+              <a:cs typeface="Times New Roman" pitchFamily="18" charset="0"/>
+            </a:endParaRPr>
+          </a:p>
+          <a:p>
+            <a:r>
+              <a:rPr lang="en-US" sz="2000" dirty="0" smtClean="0">
+                <a:latin typeface="Times New Roman" pitchFamily="18" charset="0"/>
+                <a:cs typeface="Times New Roman" pitchFamily="18" charset="0"/>
+              </a:rPr>
+              <a:t>[2] </a:t>
+            </a:r>
+            <a:r>
+              <a:rPr lang="en-US" sz="2000" u="sng" dirty="0" smtClean="0">
+                <a:latin typeface="Times New Roman" pitchFamily="18" charset="0"/>
+                <a:cs typeface="Times New Roman" pitchFamily="18" charset="0"/>
+                <a:hlinkClick r:id="rId3"/>
+              </a:rPr>
+              <a:t>https://www.youtube.com/watch?v=dAffRGx7lIA</a:t>
+            </a:r>
+            <a:endParaRPr lang="en-US" sz="2000" dirty="0" smtClean="0">
+              <a:latin typeface="Times New Roman" pitchFamily="18" charset="0"/>
+              <a:cs typeface="Times New Roman" pitchFamily="18" charset="0"/>
+            </a:endParaRPr>
+          </a:p>
+          <a:p>
+            <a:r>
+              <a:rPr lang="en-US" sz="2000" dirty="0" smtClean="0">
+                <a:latin typeface="Times New Roman" pitchFamily="18" charset="0"/>
+                <a:cs typeface="Times New Roman" pitchFamily="18" charset="0"/>
+              </a:rPr>
+              <a:t>[3] </a:t>
+            </a:r>
+            <a:r>
+              <a:rPr lang="en-US" sz="2000" u="sng" dirty="0" smtClean="0">
+                <a:latin typeface="Times New Roman" pitchFamily="18" charset="0"/>
+                <a:cs typeface="Times New Roman" pitchFamily="18" charset="0"/>
+                <a:hlinkClick r:id="rId4"/>
+              </a:rPr>
+              <a:t>https://www.c-sharpcorner.com</a:t>
+            </a:r>
+            <a:endParaRPr lang="en-US" sz="2000" dirty="0" smtClean="0">
+              <a:latin typeface="Times New Roman" pitchFamily="18" charset="0"/>
+              <a:cs typeface="Times New Roman" pitchFamily="18" charset="0"/>
+            </a:endParaRPr>
+          </a:p>
+          <a:p>
+            <a:r>
+              <a:rPr lang="en-US" sz="2000" dirty="0" smtClean="0">
+                <a:latin typeface="Times New Roman" pitchFamily="18" charset="0"/>
+                <a:cs typeface="Times New Roman" pitchFamily="18" charset="0"/>
+              </a:rPr>
+              <a:t>[4] </a:t>
+            </a:r>
+            <a:r>
+              <a:rPr lang="en-US" sz="2000" u="sng" dirty="0" smtClean="0">
+                <a:latin typeface="Times New Roman" pitchFamily="18" charset="0"/>
+                <a:cs typeface="Times New Roman" pitchFamily="18" charset="0"/>
+                <a:hlinkClick r:id="rId5"/>
+              </a:rPr>
+              <a:t>https://download.com.vn/ios/stack-jump-cho-ios/download</a:t>
+            </a:r>
+            <a:endParaRPr lang="en-US" sz="2000" dirty="0" smtClean="0">
+              <a:latin typeface="Times New Roman" pitchFamily="18" charset="0"/>
+              <a:cs typeface="Times New Roman" pitchFamily="18" charset="0"/>
+            </a:endParaRPr>
+          </a:p>
+          <a:p>
+            <a:r>
+              <a:rPr lang="en-US" sz="2000" dirty="0" smtClean="0">
+                <a:latin typeface="Times New Roman" pitchFamily="18" charset="0"/>
+                <a:cs typeface="Times New Roman" pitchFamily="18" charset="0"/>
+              </a:rPr>
+              <a:t>[5] </a:t>
+            </a:r>
+            <a:r>
+              <a:rPr lang="en-US" sz="2000" u="sng" dirty="0" smtClean="0">
+                <a:latin typeface="Times New Roman" pitchFamily="18" charset="0"/>
+                <a:cs typeface="Times New Roman" pitchFamily="18" charset="0"/>
+                <a:hlinkClick r:id="rId6"/>
+              </a:rPr>
+              <a:t>https://www.voodoo.io/games</a:t>
+            </a:r>
+            <a:endParaRPr lang="en-US" sz="2000" dirty="0" smtClean="0">
+              <a:latin typeface="Times New Roman" pitchFamily="18" charset="0"/>
+              <a:cs typeface="Times New Roman" pitchFamily="18" charset="0"/>
+            </a:endParaRPr>
+          </a:p>
+          <a:p>
+            <a:endParaRPr lang="en-US" dirty="0"/>
+          </a:p>
+        </p:txBody>
+      </p:sp>
+    </p:spTree>
+  </p:cSld>
+  <p:clrMapOvr>
+    <a:masterClrMapping/>
+  </p:clrMapOvr>
+  <p:timing>
+    <p:tnLst>
+      <p:par>
+        <p:cTn id="1" dur="indefinite" restart="never" nodeType="tmRoot"/>
+      </p:par>
+    </p:tnLst>
+  </p:timing>
+</p:sld>
+</file>
+
+<file path=ppt/slides/slide24.xml><?xml version="1.0" encoding="utf-8"?>
 <p:sld xmlns:a="http://schemas.openxmlformats.org/drawingml/2006/main" xmlns:r="http://schemas.openxmlformats.org/officeDocument/2006/relationships" xmlns:p="http://schemas.openxmlformats.org/presentationml/2006/main">
   <p:cSld>
     <p:spTree>
@@ -6051,6 +6287,13 @@
   <p:clrMapOvr>
     <a:masterClrMapping/>
   </p:clrMapOvr>
+  <p:timing>
+    <p:tnLst>
+      <p:par>
+        <p:cTn id="1" dur="indefinite" restart="never" nodeType="tmRoot"/>
+      </p:par>
+    </p:tnLst>
+  </p:timing>
 </p:sld>
 </file>
 
@@ -6098,14 +6341,7 @@
                 <a:latin typeface="Times New Roman" pitchFamily="18" charset="0"/>
                 <a:cs typeface="Times New Roman" pitchFamily="18" charset="0"/>
               </a:rPr>
-              <a:t>Phần 1: GIỚI </a:t>
-            </a:r>
-            <a:r>
-              <a:rPr lang="en-US" sz="3000" b="1" dirty="0" smtClean="0">
-                <a:latin typeface="Times New Roman" pitchFamily="18" charset="0"/>
-                <a:cs typeface="Times New Roman" pitchFamily="18" charset="0"/>
-              </a:rPr>
-              <a:t>THIỆU</a:t>
+              <a:t>Phần 1: GIỚI THIỆU</a:t>
             </a:r>
             <a:endParaRPr lang="en-US" sz="3000" dirty="0">
               <a:latin typeface="Times New Roman" pitchFamily="18" charset="0"/>
@@ -6152,14 +6388,7 @@
                 <a:latin typeface="Times New Roman" pitchFamily="18" charset="0"/>
                 <a:cs typeface="Times New Roman" pitchFamily="18" charset="0"/>
               </a:rPr>
-              <a:t>2</a:t>
-            </a:r>
-            <a:r>
-              <a:rPr lang="en-US" i="1" dirty="0" smtClean="0">
-                <a:latin typeface="Times New Roman" pitchFamily="18" charset="0"/>
-                <a:cs typeface="Times New Roman" pitchFamily="18" charset="0"/>
-              </a:rPr>
-              <a:t>. Mục tiêu đề ra</a:t>
+              <a:t>2. Mục tiêu đề ra</a:t>
             </a:r>
             <a:endParaRPr lang="en-US" dirty="0" smtClean="0">
               <a:latin typeface="Times New Roman" pitchFamily="18" charset="0"/>
@@ -6189,6 +6418,13 @@
   <p:clrMapOvr>
     <a:masterClrMapping/>
   </p:clrMapOvr>
+  <p:timing>
+    <p:tnLst>
+      <p:par>
+        <p:cTn id="1" dur="indefinite" restart="never" nodeType="tmRoot"/>
+      </p:par>
+    </p:tnLst>
+  </p:timing>
 </p:sld>
 </file>
 
@@ -6236,14 +6472,7 @@
                 <a:latin typeface="Times New Roman" pitchFamily="18" charset="0"/>
                 <a:cs typeface="Times New Roman" pitchFamily="18" charset="0"/>
               </a:rPr>
-              <a:t>1. Game Stack jump là gì</a:t>
-            </a:r>
-            <a:r>
-              <a:rPr lang="en-US" sz="3000" i="1" dirty="0" smtClean="0">
-                <a:latin typeface="Times New Roman" pitchFamily="18" charset="0"/>
-                <a:cs typeface="Times New Roman" pitchFamily="18" charset="0"/>
-              </a:rPr>
-              <a:t>?</a:t>
+              <a:t>1. Game Stack jump là gì?</a:t>
             </a:r>
             <a:endParaRPr lang="en-US" sz="3000" dirty="0"/>
           </a:p>
@@ -6259,84 +6488,95 @@
             <p:ph idx="1"/>
           </p:nvPr>
         </p:nvSpPr>
-        <p:spPr/>
+        <p:spPr>
+          <a:xfrm>
+            <a:off x="457200" y="1935480"/>
+            <a:ext cx="4648200" cy="4389120"/>
+          </a:xfrm>
+        </p:spPr>
         <p:txBody>
           <a:bodyPr>
-            <a:normAutofit lnSpcReduction="10000"/>
+            <a:normAutofit/>
           </a:bodyPr>
           <a:lstStyle/>
           <a:p>
+            <a:pPr algn="just"/>
             <a:r>
               <a:rPr lang="en-US" dirty="0" smtClean="0">
                 <a:latin typeface="Times New Roman" pitchFamily="18" charset="0"/>
                 <a:cs typeface="Times New Roman" pitchFamily="18" charset="0"/>
               </a:rPr>
-              <a:t>-Stack Jump là game một chạm khá đơn giản nhưng thú vị của Voodoo. Bạn sẽ điều khiển một nhân vật nhảy lên để xếp các viên gạch càng cao càng tốt.</a:t>
-            </a:r>
-          </a:p>
-          <a:p>
+              <a:t>-Hiện nay có rất nhiều game với đủ thể loại thu hút người chơi, trong số đó có Stack jump, một tựa game thể loại một chạm. </a:t>
+            </a:r>
+          </a:p>
+          <a:p>
+            <a:pPr algn="just"/>
             <a:r>
               <a:rPr lang="en-US" dirty="0" smtClean="0">
                 <a:latin typeface="Times New Roman" pitchFamily="18" charset="0"/>
                 <a:cs typeface="Times New Roman" pitchFamily="18" charset="0"/>
               </a:rPr>
-              <a:t>-Voodoo là một nhà phát triển khá kỳ dị. Nếu ai từng chơi qua các trò chơi của Voodoo như </a:t>
+              <a:t>-</a:t>
             </a:r>
             <a:r>
               <a:rPr lang="en-US" dirty="0" smtClean="0">
                 <a:latin typeface="Times New Roman" pitchFamily="18" charset="0"/>
                 <a:cs typeface="Times New Roman" pitchFamily="18" charset="0"/>
-                <a:hlinkClick r:id="rId2"/>
-              </a:rPr>
-              <a:t>Snake vs Block</a:t>
+              </a:rPr>
+              <a:t>Tựa game này rất phù hợp cho việc giải trí, thư giản trong những lúc rảnh rỗi, mà không cần phải bận tâm suy nghĩ như các thể loại game khác</a:t>
             </a:r>
             <a:r>
               <a:rPr lang="en-US" dirty="0" smtClean="0">
                 <a:latin typeface="Times New Roman" pitchFamily="18" charset="0"/>
                 <a:cs typeface="Times New Roman" pitchFamily="18" charset="0"/>
               </a:rPr>
-              <a:t>, </a:t>
-            </a:r>
-            <a:r>
-              <a:rPr lang="en-US" dirty="0" smtClean="0">
-                <a:latin typeface="Times New Roman" pitchFamily="18" charset="0"/>
-                <a:cs typeface="Times New Roman" pitchFamily="18" charset="0"/>
-                <a:hlinkClick r:id="rId3"/>
-              </a:rPr>
-              <a:t>Paper.io</a:t>
-            </a:r>
-            <a:r>
-              <a:rPr lang="en-US" dirty="0" smtClean="0">
-                <a:latin typeface="Times New Roman" pitchFamily="18" charset="0"/>
-                <a:cs typeface="Times New Roman" pitchFamily="18" charset="0"/>
-              </a:rPr>
-              <a:t>... thì sẽ thấy, chúng đều là những game theo kiểu một chạm đơn giản và có tính năng duy nhất là mở khóa các nhân vật mới. </a:t>
+              <a:t>.</a:t>
             </a:r>
             <a:endParaRPr lang="en-US" dirty="0" smtClean="0">
               <a:latin typeface="Times New Roman" pitchFamily="18" charset="0"/>
               <a:cs typeface="Times New Roman" pitchFamily="18" charset="0"/>
             </a:endParaRPr>
           </a:p>
-          <a:p>
-            <a:r>
-              <a:rPr lang="en-US" dirty="0" smtClean="0">
-                <a:latin typeface="Times New Roman" pitchFamily="18" charset="0"/>
-                <a:cs typeface="Times New Roman" pitchFamily="18" charset="0"/>
-              </a:rPr>
-              <a:t>-Stack Jump khá thích hợp để giải trí trong thời gian rảnh rỗi, những lúc giải lao ngắn, mang lại cảm giác thư thái, vui vẻ do không bắt người chơi phải động não suy nghĩ.</a:t>
-            </a:r>
-            <a:endParaRPr lang="en-US" dirty="0">
-              <a:latin typeface="Times New Roman" pitchFamily="18" charset="0"/>
-              <a:cs typeface="Times New Roman" pitchFamily="18" charset="0"/>
-            </a:endParaRPr>
-          </a:p>
-        </p:txBody>
-      </p:sp>
+        </p:txBody>
+      </p:sp>
+      <p:pic>
+        <p:nvPicPr>
+          <p:cNvPr id="21508" name="Picture 4" descr="Káº¿t quáº£ hÃ¬nh áº£nh cho game stack jump"/>
+          <p:cNvPicPr>
+            <a:picLocks noChangeAspect="1" noChangeArrowheads="1"/>
+          </p:cNvPicPr>
+          <p:nvPr/>
+        </p:nvPicPr>
+        <p:blipFill>
+          <a:blip r:embed="rId2"/>
+          <a:srcRect/>
+          <a:stretch>
+            <a:fillRect/>
+          </a:stretch>
+        </p:blipFill>
+        <p:spPr bwMode="auto">
+          <a:xfrm>
+            <a:off x="6019800" y="2209800"/>
+            <a:ext cx="2133600" cy="3505200"/>
+          </a:xfrm>
+          <a:prstGeom prst="rect">
+            <a:avLst/>
+          </a:prstGeom>
+          <a:noFill/>
+        </p:spPr>
+      </p:pic>
     </p:spTree>
   </p:cSld>
   <p:clrMapOvr>
     <a:masterClrMapping/>
   </p:clrMapOvr>
+  <p:timing>
+    <p:tnLst>
+      <p:par>
+        <p:cTn id="1" dur="indefinite" restart="never" nodeType="tmRoot"/>
+      </p:par>
+    </p:tnLst>
+  </p:timing>
 </p:sld>
 </file>
 
@@ -6384,14 +6624,7 @@
                 <a:latin typeface="Times New Roman" pitchFamily="18" charset="0"/>
                 <a:cs typeface="Times New Roman" pitchFamily="18" charset="0"/>
               </a:rPr>
-              <a:t>2. Mục tiêu đề </a:t>
-            </a:r>
-            <a:r>
-              <a:rPr lang="en-US" sz="3000" i="1" dirty="0" smtClean="0">
-                <a:latin typeface="Times New Roman" pitchFamily="18" charset="0"/>
-                <a:cs typeface="Times New Roman" pitchFamily="18" charset="0"/>
-              </a:rPr>
-              <a:t>ra</a:t>
+              <a:t>2. Mục tiêu đề ra</a:t>
             </a:r>
             <a:endParaRPr lang="en-US" sz="3000" dirty="0">
               <a:latin typeface="Times New Roman" pitchFamily="18" charset="0"/>
@@ -6420,14 +6653,16 @@
                 <a:latin typeface="Times New Roman" pitchFamily="18" charset="0"/>
                 <a:cs typeface="Times New Roman" pitchFamily="18" charset="0"/>
               </a:rPr>
-              <a:t>Xây </a:t>
-            </a:r>
+              <a:t>Xây dựng hình ảnh nhân vật và các khung gạch,di chuyển hợp lí.</a:t>
+            </a:r>
+          </a:p>
+          <a:p>
             <a:r>
               <a:rPr lang="en-US" dirty="0" smtClean="0">
                 <a:latin typeface="Times New Roman" pitchFamily="18" charset="0"/>
                 <a:cs typeface="Times New Roman" pitchFamily="18" charset="0"/>
               </a:rPr>
-              <a:t>dựng hình ảnh nhân vật và các khung gạch,di chuyển hợp lí.</a:t>
+              <a:t>Thiết kế giao diện dễ nhìn.</a:t>
             </a:r>
           </a:p>
           <a:p>
@@ -6436,46 +6671,16 @@
                 <a:latin typeface="Times New Roman" pitchFamily="18" charset="0"/>
                 <a:cs typeface="Times New Roman" pitchFamily="18" charset="0"/>
               </a:rPr>
-              <a:t>Thiết </a:t>
-            </a:r>
+              <a:t>Các tính năng của game kết nối với CSDL.</a:t>
+            </a:r>
+          </a:p>
+          <a:p>
             <a:r>
               <a:rPr lang="en-US" dirty="0" smtClean="0">
                 <a:latin typeface="Times New Roman" pitchFamily="18" charset="0"/>
                 <a:cs typeface="Times New Roman" pitchFamily="18" charset="0"/>
               </a:rPr>
-              <a:t>kế giao diện dễ nhìn.</a:t>
-            </a:r>
-          </a:p>
-          <a:p>
-            <a:r>
-              <a:rPr lang="en-US" dirty="0" smtClean="0">
-                <a:latin typeface="Times New Roman" pitchFamily="18" charset="0"/>
-                <a:cs typeface="Times New Roman" pitchFamily="18" charset="0"/>
-              </a:rPr>
-              <a:t>Các </a:t>
-            </a:r>
-            <a:r>
-              <a:rPr lang="en-US" dirty="0" smtClean="0">
-                <a:latin typeface="Times New Roman" pitchFamily="18" charset="0"/>
-                <a:cs typeface="Times New Roman" pitchFamily="18" charset="0"/>
-              </a:rPr>
-              <a:t>tính năng của game kết nối với CSDL.</a:t>
-            </a:r>
-          </a:p>
-          <a:p>
-            <a:r>
-              <a:rPr lang="en-US" dirty="0" smtClean="0">
-                <a:latin typeface="Times New Roman" pitchFamily="18" charset="0"/>
-                <a:cs typeface="Times New Roman" pitchFamily="18" charset="0"/>
-              </a:rPr>
-              <a:t>Xây </a:t>
-            </a:r>
-            <a:r>
-              <a:rPr lang="en-US" dirty="0" smtClean="0">
-                <a:latin typeface="Times New Roman" pitchFamily="18" charset="0"/>
-                <a:cs typeface="Times New Roman" pitchFamily="18" charset="0"/>
-              </a:rPr>
-              <a:t>dựng các lớp đối tượng hợp lí.</a:t>
+              <a:t>Xây dựng các lớp đối tượng hợp lí.</a:t>
             </a:r>
           </a:p>
           <a:p>
@@ -6488,6 +6693,13 @@
   <p:clrMapOvr>
     <a:masterClrMapping/>
   </p:clrMapOvr>
+  <p:timing>
+    <p:tnLst>
+      <p:par>
+        <p:cTn id="1" dur="indefinite" restart="never" nodeType="tmRoot"/>
+      </p:par>
+    </p:tnLst>
+  </p:timing>
 </p:sld>
 </file>
 
@@ -6535,14 +6747,7 @@
                 <a:latin typeface="Times New Roman" pitchFamily="18" charset="0"/>
                 <a:cs typeface="Times New Roman" pitchFamily="18" charset="0"/>
               </a:rPr>
-              <a:t>3. Phạm vi đề </a:t>
-            </a:r>
-            <a:r>
-              <a:rPr lang="en-US" sz="3000" b="1" i="1" dirty="0" smtClean="0">
-                <a:latin typeface="Times New Roman" pitchFamily="18" charset="0"/>
-                <a:cs typeface="Times New Roman" pitchFamily="18" charset="0"/>
-              </a:rPr>
-              <a:t>tài</a:t>
+              <a:t>3. Phạm vi đề tài</a:t>
             </a:r>
             <a:endParaRPr lang="en-US" sz="3000" dirty="0">
               <a:latin typeface="Times New Roman" pitchFamily="18" charset="0"/>
@@ -6578,44 +6783,16 @@
                 <a:latin typeface="Times New Roman" pitchFamily="18" charset="0"/>
                 <a:cs typeface="Times New Roman" pitchFamily="18" charset="0"/>
               </a:rPr>
-              <a:t>kiểu game một </a:t>
-            </a:r>
+              <a:t>kiểu game một chạm, có giao diện hình ảnh và kết nối với cơ sở dữ  liệu.</a:t>
+            </a:r>
+          </a:p>
+          <a:p>
             <a:r>
               <a:rPr lang="en-US" dirty="0" smtClean="0">
                 <a:latin typeface="Times New Roman" pitchFamily="18" charset="0"/>
                 <a:cs typeface="Times New Roman" pitchFamily="18" charset="0"/>
               </a:rPr>
-              <a:t>chạm, </a:t>
-            </a:r>
-            <a:r>
-              <a:rPr lang="en-US" dirty="0" smtClean="0">
-                <a:latin typeface="Times New Roman" pitchFamily="18" charset="0"/>
-                <a:cs typeface="Times New Roman" pitchFamily="18" charset="0"/>
-              </a:rPr>
-              <a:t>có giao diện hình ảnh và kết nối với cơ sở dữ  liệu</a:t>
-            </a:r>
-            <a:r>
-              <a:rPr lang="en-US" dirty="0" smtClean="0">
-                <a:latin typeface="Times New Roman" pitchFamily="18" charset="0"/>
-                <a:cs typeface="Times New Roman" pitchFamily="18" charset="0"/>
-              </a:rPr>
-              <a:t>.</a:t>
-            </a:r>
-          </a:p>
-          <a:p>
-            <a:r>
-              <a:rPr lang="en-US" dirty="0" smtClean="0">
-                <a:latin typeface="Times New Roman" pitchFamily="18" charset="0"/>
-                <a:cs typeface="Times New Roman" pitchFamily="18" charset="0"/>
-              </a:rPr>
-              <a:t>Cách </a:t>
-            </a:r>
-            <a:r>
-              <a:rPr lang="en-US" dirty="0" smtClean="0">
-                <a:latin typeface="Times New Roman" pitchFamily="18" charset="0"/>
-                <a:cs typeface="Times New Roman" pitchFamily="18" charset="0"/>
-              </a:rPr>
-              <a:t>thức chơi game phải đơn giản, mọi thứ dễ dàng phù hợp cho người chơi thư giãn.</a:t>
+              <a:t>Cách thức chơi game phải đơn giản, mọi thứ dễ dàng phù hợp cho người chơi thư giãn.</a:t>
             </a:r>
           </a:p>
           <a:p>
@@ -6631,6 +6808,13 @@
   <p:clrMapOvr>
     <a:masterClrMapping/>
   </p:clrMapOvr>
+  <p:timing>
+    <p:tnLst>
+      <p:par>
+        <p:cTn id="1" dur="indefinite" restart="never" nodeType="tmRoot"/>
+      </p:par>
+    </p:tnLst>
+  </p:timing>
 </p:sld>
 </file>
 
@@ -6678,28 +6862,7 @@
                 <a:latin typeface="Times New Roman" pitchFamily="18" charset="0"/>
                 <a:cs typeface="Times New Roman" pitchFamily="18" charset="0"/>
               </a:rPr>
-              <a:t>Phần </a:t>
-            </a:r>
-            <a:r>
-              <a:rPr lang="en-US" sz="3000" b="1" dirty="0" smtClean="0">
-                <a:latin typeface="Times New Roman" pitchFamily="18" charset="0"/>
-                <a:cs typeface="Times New Roman" pitchFamily="18" charset="0"/>
-              </a:rPr>
-              <a:t>2</a:t>
-            </a:r>
-            <a:r>
-              <a:rPr lang="en-US" sz="3000" b="1" dirty="0" smtClean="0">
-                <a:latin typeface="Times New Roman" pitchFamily="18" charset="0"/>
-                <a:cs typeface="Times New Roman" pitchFamily="18" charset="0"/>
-              </a:rPr>
-              <a:t>: </a:t>
-            </a:r>
-            <a:r>
-              <a:rPr lang="en-US" sz="3000" b="1" dirty="0" smtClean="0">
-                <a:latin typeface="Times New Roman" pitchFamily="18" charset="0"/>
-                <a:cs typeface="Times New Roman" pitchFamily="18" charset="0"/>
-              </a:rPr>
-              <a:t>ĐẶC TẢ, PHÂN TÍCH VỀ GAME STACK JUMP</a:t>
+              <a:t>Phần 2: ĐẶC TẢ, PHÂN TÍCH VỀ GAME STACK JUMP</a:t>
             </a:r>
             <a:endParaRPr lang="en-US" sz="3000" dirty="0">
               <a:latin typeface="Times New Roman" pitchFamily="18" charset="0"/>
@@ -6758,6 +6921,13 @@
   <p:clrMapOvr>
     <a:masterClrMapping/>
   </p:clrMapOvr>
+  <p:timing>
+    <p:tnLst>
+      <p:par>
+        <p:cTn id="1" dur="indefinite" restart="never" nodeType="tmRoot"/>
+      </p:par>
+    </p:tnLst>
+  </p:timing>
 </p:sld>
 </file>
 
@@ -6805,28 +6975,7 @@
                 <a:latin typeface="Times New Roman" pitchFamily="18" charset="0"/>
                 <a:cs typeface="Times New Roman" pitchFamily="18" charset="0"/>
               </a:rPr>
-              <a:t>Phần </a:t>
-            </a:r>
-            <a:r>
-              <a:rPr lang="en-US" sz="3000" b="1" dirty="0" smtClean="0">
-                <a:latin typeface="Times New Roman" pitchFamily="18" charset="0"/>
-                <a:cs typeface="Times New Roman" pitchFamily="18" charset="0"/>
-              </a:rPr>
-              <a:t>3</a:t>
-            </a:r>
-            <a:r>
-              <a:rPr lang="en-US" sz="3000" b="1" dirty="0" smtClean="0">
-                <a:latin typeface="Times New Roman" pitchFamily="18" charset="0"/>
-                <a:cs typeface="Times New Roman" pitchFamily="18" charset="0"/>
-              </a:rPr>
-              <a:t>:KẾ </a:t>
-            </a:r>
-            <a:r>
-              <a:rPr lang="en-US" sz="3000" b="1" dirty="0" smtClean="0">
-                <a:latin typeface="Times New Roman" pitchFamily="18" charset="0"/>
-                <a:cs typeface="Times New Roman" pitchFamily="18" charset="0"/>
-              </a:rPr>
-              <a:t>HOẠCH THỰC HIỆN DỰ KIẾN</a:t>
+              <a:t>Phần 3:KẾ HOẠCH THỰC HIỆN DỰ KIẾN</a:t>
             </a:r>
             <a:endParaRPr lang="en-US" sz="3000" dirty="0">
               <a:latin typeface="Times New Roman" pitchFamily="18" charset="0"/>
@@ -6875,6 +7024,13 @@
   <p:clrMapOvr>
     <a:masterClrMapping/>
   </p:clrMapOvr>
+  <p:timing>
+    <p:tnLst>
+      <p:par>
+        <p:cTn id="1" dur="indefinite" restart="never" nodeType="tmRoot"/>
+      </p:par>
+    </p:tnLst>
+  </p:timing>
 </p:sld>
 </file>
 
@@ -6917,21 +7073,7 @@
                 <a:latin typeface="Times New Roman" pitchFamily="18" charset="0"/>
                 <a:cs typeface="Times New Roman" pitchFamily="18" charset="0"/>
               </a:rPr>
-              <a:t>Phần </a:t>
-            </a:r>
-            <a:r>
-              <a:rPr lang="en-US" sz="3300" b="1" dirty="0" smtClean="0">
-                <a:latin typeface="Times New Roman" pitchFamily="18" charset="0"/>
-                <a:cs typeface="Times New Roman" pitchFamily="18" charset="0"/>
-              </a:rPr>
-              <a:t>4: </a:t>
-            </a:r>
-            <a:r>
-              <a:rPr lang="en-US" sz="3300" b="1" dirty="0" smtClean="0">
-                <a:latin typeface="Times New Roman" pitchFamily="18" charset="0"/>
-                <a:cs typeface="Times New Roman" pitchFamily="18" charset="0"/>
-              </a:rPr>
-              <a:t>GIAO DIỆN PHẦN MỀM VÀ MÔ TẢ CHỨC NĂNG</a:t>
+              <a:t>Phần 4: GIAO DIỆN PHẦN MỀM VÀ MÔ TẢ CHỨC NĂNG</a:t>
             </a:r>
             <a:endParaRPr lang="en-US" dirty="0"/>
           </a:p>
@@ -7012,6 +7154,13 @@
   <p:clrMapOvr>
     <a:masterClrMapping/>
   </p:clrMapOvr>
+  <p:timing>
+    <p:tnLst>
+      <p:par>
+        <p:cTn id="1" dur="indefinite" restart="never" nodeType="tmRoot"/>
+      </p:par>
+    </p:tnLst>
+  </p:timing>
 </p:sld>
 </file>
 
